--- a/발표 자료/DECS_3차 발표 자료.pptx
+++ b/발표 자료/DECS_3차 발표 자료.pptx
@@ -245,7 +245,7 @@
           <a:p>
             <a:fld id="{FD2FE23F-0963-4EF6-B7CE-8CE978205759}" type="datetimeFigureOut">
               <a:rPr lang="ko-KR" altLang="en-US" smtClean="0"/>
-              <a:t>2024-06-16</a:t>
+              <a:t>2024-06-21</a:t>
             </a:fld>
             <a:endParaRPr lang="ko-KR" altLang="en-US"/>
           </a:p>
@@ -1641,7 +1641,7 @@
             <a:fld id="{1D8BD707-D9CF-40AE-B4C6-C98DA3205C09}" type="datetimeFigureOut">
               <a:rPr lang="en-US" smtClean="0"/>
               <a:pPr/>
-              <a:t>6/16/2024</a:t>
+              <a:t>6/21/2024</a:t>
             </a:fld>
             <a:endParaRPr lang="en-US"/>
           </a:p>
@@ -1806,7 +1806,7 @@
             <a:fld id="{1D8BD707-D9CF-40AE-B4C6-C98DA3205C09}" type="datetimeFigureOut">
               <a:rPr lang="en-US" smtClean="0"/>
               <a:pPr/>
-              <a:t>6/16/2024</a:t>
+              <a:t>6/21/2024</a:t>
             </a:fld>
             <a:endParaRPr lang="en-US"/>
           </a:p>
@@ -1981,7 +1981,7 @@
             <a:fld id="{1D8BD707-D9CF-40AE-B4C6-C98DA3205C09}" type="datetimeFigureOut">
               <a:rPr lang="en-US" smtClean="0"/>
               <a:pPr/>
-              <a:t>6/16/2024</a:t>
+              <a:t>6/21/2024</a:t>
             </a:fld>
             <a:endParaRPr lang="en-US"/>
           </a:p>
@@ -2146,7 +2146,7 @@
             <a:fld id="{1D8BD707-D9CF-40AE-B4C6-C98DA3205C09}" type="datetimeFigureOut">
               <a:rPr lang="en-US" smtClean="0"/>
               <a:pPr/>
-              <a:t>6/16/2024</a:t>
+              <a:t>6/21/2024</a:t>
             </a:fld>
             <a:endParaRPr lang="en-US"/>
           </a:p>
@@ -2388,7 +2388,7 @@
             <a:fld id="{1D8BD707-D9CF-40AE-B4C6-C98DA3205C09}" type="datetimeFigureOut">
               <a:rPr lang="en-US" smtClean="0"/>
               <a:pPr/>
-              <a:t>6/16/2024</a:t>
+              <a:t>6/21/2024</a:t>
             </a:fld>
             <a:endParaRPr lang="en-US"/>
           </a:p>
@@ -2670,7 +2670,7 @@
             <a:fld id="{1D8BD707-D9CF-40AE-B4C6-C98DA3205C09}" type="datetimeFigureOut">
               <a:rPr lang="en-US" smtClean="0"/>
               <a:pPr/>
-              <a:t>6/16/2024</a:t>
+              <a:t>6/21/2024</a:t>
             </a:fld>
             <a:endParaRPr lang="en-US"/>
           </a:p>
@@ -3086,7 +3086,7 @@
             <a:fld id="{1D8BD707-D9CF-40AE-B4C6-C98DA3205C09}" type="datetimeFigureOut">
               <a:rPr lang="en-US" smtClean="0"/>
               <a:pPr/>
-              <a:t>6/16/2024</a:t>
+              <a:t>6/21/2024</a:t>
             </a:fld>
             <a:endParaRPr lang="en-US"/>
           </a:p>
@@ -3200,7 +3200,7 @@
             <a:fld id="{1D8BD707-D9CF-40AE-B4C6-C98DA3205C09}" type="datetimeFigureOut">
               <a:rPr lang="en-US" smtClean="0"/>
               <a:pPr/>
-              <a:t>6/16/2024</a:t>
+              <a:t>6/21/2024</a:t>
             </a:fld>
             <a:endParaRPr lang="en-US"/>
           </a:p>
@@ -3292,7 +3292,7 @@
             <a:fld id="{1D8BD707-D9CF-40AE-B4C6-C98DA3205C09}" type="datetimeFigureOut">
               <a:rPr lang="en-US" smtClean="0"/>
               <a:pPr/>
-              <a:t>6/16/2024</a:t>
+              <a:t>6/21/2024</a:t>
             </a:fld>
             <a:endParaRPr lang="en-US"/>
           </a:p>
@@ -3564,7 +3564,7 @@
             <a:fld id="{1D8BD707-D9CF-40AE-B4C6-C98DA3205C09}" type="datetimeFigureOut">
               <a:rPr lang="en-US" smtClean="0"/>
               <a:pPr/>
-              <a:t>6/16/2024</a:t>
+              <a:t>6/21/2024</a:t>
             </a:fld>
             <a:endParaRPr lang="en-US"/>
           </a:p>
@@ -3813,7 +3813,7 @@
             <a:fld id="{1D8BD707-D9CF-40AE-B4C6-C98DA3205C09}" type="datetimeFigureOut">
               <a:rPr lang="en-US" smtClean="0"/>
               <a:pPr/>
-              <a:t>6/16/2024</a:t>
+              <a:t>6/21/2024</a:t>
             </a:fld>
             <a:endParaRPr lang="en-US"/>
           </a:p>
@@ -4022,7 +4022,7 @@
             <a:fld id="{1D8BD707-D9CF-40AE-B4C6-C98DA3205C09}" type="datetimeFigureOut">
               <a:rPr lang="en-US" smtClean="0"/>
               <a:pPr/>
-              <a:t>6/16/2024</a:t>
+              <a:t>6/21/2024</a:t>
             </a:fld>
             <a:endParaRPr lang="en-US" dirty="0"/>
           </a:p>
@@ -4802,7 +4802,7 @@
         </p:nvSpPr>
         <p:spPr>
           <a:xfrm>
-            <a:off x="3063875" y="8420100"/>
+            <a:off x="3063875" y="8623300"/>
             <a:ext cx="12198350" cy="863600"/>
           </a:xfrm>
           <a:prstGeom prst="rect">
@@ -4884,6 +4884,50 @@
                 <a:ea typeface="나눔스퀘어OTF Bold" panose="020B0600000101010101" pitchFamily="34" charset="-127"/>
               </a:rPr>
               <a:t>전민재</a:t>
+            </a:r>
+            <a:endParaRPr lang="en-US" altLang="ko-KR" sz="2400" b="1" spc="192" dirty="0">
+              <a:latin typeface="나눔스퀘어OTF Bold" panose="020B0600000101010101" pitchFamily="34" charset="-127"/>
+              <a:ea typeface="나눔스퀘어OTF Bold" panose="020B0600000101010101" pitchFamily="34" charset="-127"/>
+            </a:endParaRPr>
+          </a:p>
+        </p:txBody>
+      </p:sp>
+      <p:sp>
+        <p:nvSpPr>
+          <p:cNvPr id="10" name="TextBox 5">
+            <a:extLst>
+              <a:ext uri="{FF2B5EF4-FFF2-40B4-BE49-F238E27FC236}">
+                <a16:creationId xmlns:a16="http://schemas.microsoft.com/office/drawing/2014/main" id="{8262D364-20C9-F840-1845-ABC1B2EF7C87}"/>
+              </a:ext>
+            </a:extLst>
+          </p:cNvPr>
+          <p:cNvSpPr txBox="1"/>
+          <p:nvPr/>
+        </p:nvSpPr>
+        <p:spPr>
+          <a:xfrm>
+            <a:off x="8161338" y="7937500"/>
+            <a:ext cx="1965325" cy="609600"/>
+          </a:xfrm>
+          <a:prstGeom prst="rect">
+            <a:avLst/>
+          </a:prstGeom>
+        </p:spPr>
+        <p:txBody>
+          <a:bodyPr lIns="0" tIns="0" rIns="0" bIns="0" rtlCol="0" anchor="ctr"/>
+          <a:lstStyle/>
+          <a:p>
+            <a:pPr marL="0" lvl="0" indent="0" algn="ctr">
+              <a:lnSpc>
+                <a:spcPts val="3456"/>
+              </a:lnSpc>
+            </a:pPr>
+            <a:r>
+              <a:rPr lang="ko-KR" altLang="en-US" sz="2400" b="1" spc="192" dirty="0">
+                <a:latin typeface="나눔스퀘어OTF Bold" panose="020B0600000101010101" pitchFamily="34" charset="-127"/>
+                <a:ea typeface="나눔스퀘어OTF Bold" panose="020B0600000101010101" pitchFamily="34" charset="-127"/>
+              </a:rPr>
+              <a:t>컴퓨터공학과</a:t>
             </a:r>
             <a:endParaRPr lang="en-US" altLang="ko-KR" sz="2400" b="1" spc="192" dirty="0">
               <a:latin typeface="나눔스퀘어OTF Bold" panose="020B0600000101010101" pitchFamily="34" charset="-127"/>
@@ -5772,7 +5816,7 @@
     <mc:Choice Requires="p14">
       <p:transition/>
     </mc:Choice>
-    <mc:Fallback xmlns="" xmlns:c="http://schemas.openxmlformats.org/drawingml/2006/chart" xmlns:dgm="http://schemas.openxmlformats.org/drawingml/2006/diagram" xmlns:dsp="http://schemas.microsoft.com/office/drawing/2008/diagram">
+    <mc:Fallback xmlns:dsp="http://schemas.microsoft.com/office/drawing/2008/diagram" xmlns:dgm="http://schemas.openxmlformats.org/drawingml/2006/diagram" xmlns:c="http://schemas.openxmlformats.org/drawingml/2006/chart" xmlns="">
       <p:transition/>
     </mc:Fallback>
   </mc:AlternateContent>
@@ -6594,7 +6638,7 @@
     <mc:Choice Requires="p14">
       <p:transition/>
     </mc:Choice>
-    <mc:Fallback xmlns="" xmlns:c="http://schemas.openxmlformats.org/drawingml/2006/chart" xmlns:dgm="http://schemas.openxmlformats.org/drawingml/2006/diagram" xmlns:dsp="http://schemas.microsoft.com/office/drawing/2008/diagram">
+    <mc:Fallback xmlns:dsp="http://schemas.microsoft.com/office/drawing/2008/diagram" xmlns:dgm="http://schemas.openxmlformats.org/drawingml/2006/diagram" xmlns:c="http://schemas.openxmlformats.org/drawingml/2006/chart" xmlns="">
       <p:transition/>
     </mc:Fallback>
   </mc:AlternateContent>
@@ -7226,7 +7270,7 @@
     <mc:Choice Requires="p14">
       <p:transition/>
     </mc:Choice>
-    <mc:Fallback xmlns:dsp="http://schemas.microsoft.com/office/drawing/2008/diagram" xmlns:dgm="http://schemas.openxmlformats.org/drawingml/2006/diagram" xmlns:c="http://schemas.openxmlformats.org/drawingml/2006/chart" xmlns="">
+    <mc:Fallback xmlns="" xmlns:c="http://schemas.openxmlformats.org/drawingml/2006/chart" xmlns:dgm="http://schemas.openxmlformats.org/drawingml/2006/diagram" xmlns:dsp="http://schemas.microsoft.com/office/drawing/2008/diagram">
       <p:transition/>
     </mc:Fallback>
   </mc:AlternateContent>
@@ -8282,7 +8326,7 @@
     <mc:Choice Requires="p14">
       <p:transition/>
     </mc:Choice>
-    <mc:Fallback xmlns:dsp="http://schemas.microsoft.com/office/drawing/2008/diagram" xmlns:dgm="http://schemas.openxmlformats.org/drawingml/2006/diagram" xmlns:c="http://schemas.openxmlformats.org/drawingml/2006/chart" xmlns="">
+    <mc:Fallback xmlns="" xmlns:c="http://schemas.openxmlformats.org/drawingml/2006/chart" xmlns:dgm="http://schemas.openxmlformats.org/drawingml/2006/diagram" xmlns:dsp="http://schemas.microsoft.com/office/drawing/2008/diagram">
       <p:transition/>
     </mc:Fallback>
   </mc:AlternateContent>
@@ -9432,7 +9476,7 @@
     <mc:Choice Requires="p14">
       <p:transition/>
     </mc:Choice>
-    <mc:Fallback xmlns:dsp="http://schemas.microsoft.com/office/drawing/2008/diagram" xmlns:dgm="http://schemas.openxmlformats.org/drawingml/2006/diagram" xmlns:c="http://schemas.openxmlformats.org/drawingml/2006/chart" xmlns="">
+    <mc:Fallback xmlns="" xmlns:c="http://schemas.openxmlformats.org/drawingml/2006/chart" xmlns:dgm="http://schemas.openxmlformats.org/drawingml/2006/diagram" xmlns:dsp="http://schemas.microsoft.com/office/drawing/2008/diagram">
       <p:transition/>
     </mc:Fallback>
   </mc:AlternateContent>
@@ -10743,7 +10787,7 @@
     <mc:Choice Requires="p14">
       <p:transition/>
     </mc:Choice>
-    <mc:Fallback xmlns:dsp="http://schemas.microsoft.com/office/drawing/2008/diagram" xmlns:dgm="http://schemas.openxmlformats.org/drawingml/2006/diagram" xmlns:c="http://schemas.openxmlformats.org/drawingml/2006/chart" xmlns="">
+    <mc:Fallback xmlns="" xmlns:c="http://schemas.openxmlformats.org/drawingml/2006/chart" xmlns:dgm="http://schemas.openxmlformats.org/drawingml/2006/diagram" xmlns:dsp="http://schemas.microsoft.com/office/drawing/2008/diagram">
       <p:transition/>
     </mc:Fallback>
   </mc:AlternateContent>
@@ -11969,7 +12013,7 @@
     <mc:Choice Requires="p14">
       <p:transition/>
     </mc:Choice>
-    <mc:Fallback xmlns:dsp="http://schemas.microsoft.com/office/drawing/2008/diagram" xmlns:dgm="http://schemas.openxmlformats.org/drawingml/2006/diagram" xmlns:c="http://schemas.openxmlformats.org/drawingml/2006/chart" xmlns="">
+    <mc:Fallback xmlns="" xmlns:c="http://schemas.openxmlformats.org/drawingml/2006/chart" xmlns:dgm="http://schemas.openxmlformats.org/drawingml/2006/diagram" xmlns:dsp="http://schemas.microsoft.com/office/drawing/2008/diagram">
       <p:transition/>
     </mc:Fallback>
   </mc:AlternateContent>
@@ -12790,7 +12834,7 @@
     <mc:Choice Requires="p14">
       <p:transition/>
     </mc:Choice>
-    <mc:Fallback xmlns:dsp="http://schemas.microsoft.com/office/drawing/2008/diagram" xmlns:dgm="http://schemas.openxmlformats.org/drawingml/2006/diagram" xmlns:c="http://schemas.openxmlformats.org/drawingml/2006/chart" xmlns="">
+    <mc:Fallback xmlns="" xmlns:c="http://schemas.openxmlformats.org/drawingml/2006/chart" xmlns:dgm="http://schemas.openxmlformats.org/drawingml/2006/diagram" xmlns:dsp="http://schemas.microsoft.com/office/drawing/2008/diagram">
       <p:transition/>
     </mc:Fallback>
   </mc:AlternateContent>
